--- a/.slides/topics/05_data_frames.pptx
+++ b/.slides/topics/05_data_frames.pptx
@@ -11,12 +11,16 @@
     <p:sldId id="259" r:id="rId5"/>
     <p:sldId id="260" r:id="rId6"/>
     <p:sldId id="261" r:id="rId7"/>
-    <p:sldId id="262" r:id="rId8"/>
-    <p:sldId id="263" r:id="rId9"/>
-    <p:sldId id="264" r:id="rId10"/>
-    <p:sldId id="265" r:id="rId11"/>
-    <p:sldId id="266" r:id="rId12"/>
-    <p:sldId id="267" r:id="rId13"/>
+    <p:sldId id="268" r:id="rId8"/>
+    <p:sldId id="269" r:id="rId9"/>
+    <p:sldId id="262" r:id="rId10"/>
+    <p:sldId id="270" r:id="rId11"/>
+    <p:sldId id="263" r:id="rId12"/>
+    <p:sldId id="264" r:id="rId13"/>
+    <p:sldId id="265" r:id="rId14"/>
+    <p:sldId id="266" r:id="rId15"/>
+    <p:sldId id="267" r:id="rId16"/>
+    <p:sldId id="271" r:id="rId17"/>
   </p:sldIdLst>
   <p:sldSz cx="12192000" cy="6858000"/>
   <p:notesSz cx="6858000" cy="9144000"/>
@@ -3482,6 +3486,53 @@
           </a:p>
         </p:txBody>
       </p:sp>
+      <p:pic>
+        <p:nvPicPr>
+          <p:cNvPr id="1026" name="Picture 2">
+            <a:extLst>
+              <a:ext uri="{FF2B5EF4-FFF2-40B4-BE49-F238E27FC236}">
+                <a16:creationId xmlns:a16="http://schemas.microsoft.com/office/drawing/2014/main" id="{BBAC81C9-CBA0-B8F0-A6B3-334B454A99B8}"/>
+              </a:ext>
+            </a:extLst>
+          </p:cNvPr>
+          <p:cNvPicPr>
+            <a:picLocks noChangeAspect="1" noChangeArrowheads="1"/>
+          </p:cNvPicPr>
+          <p:nvPr/>
+        </p:nvPicPr>
+        <p:blipFill>
+          <a:blip r:embed="rId3">
+            <a:extLst>
+              <a:ext uri="{28A0092B-C50C-407E-A947-70E740481C1C}">
+                <a14:useLocalDpi xmlns:a14="http://schemas.microsoft.com/office/drawing/2010/main" val="0"/>
+              </a:ext>
+            </a:extLst>
+          </a:blip>
+          <a:srcRect/>
+          <a:stretch>
+            <a:fillRect/>
+          </a:stretch>
+        </p:blipFill>
+        <p:spPr bwMode="auto">
+          <a:xfrm>
+            <a:off x="9610905" y="321694"/>
+            <a:ext cx="2171134" cy="3240000"/>
+          </a:xfrm>
+          <a:prstGeom prst="rect">
+            <a:avLst/>
+          </a:prstGeom>
+          <a:noFill/>
+          <a:extLst>
+            <a:ext uri="{909E8E84-426E-40DD-AFC4-6F175D3DCCD1}">
+              <a14:hiddenFill xmlns:a14="http://schemas.microsoft.com/office/drawing/2010/main">
+                <a:solidFill>
+                  <a:srgbClr val="FFFFFF"/>
+                </a:solidFill>
+              </a14:hiddenFill>
+            </a:ext>
+          </a:extLst>
+        </p:spPr>
+      </p:pic>
     </p:spTree>
   </p:cSld>
   <p:clrMapOvr>
@@ -3507,83 +3558,59 @@
           <a:chExt cx="0" cy="0"/>
         </a:xfrm>
       </p:grpSpPr>
-      <p:sp>
-        <p:nvSpPr>
-          <p:cNvPr id="2" name="Title 1">
-            <a:extLst>
-              <a:ext uri="{FF2B5EF4-FFF2-40B4-BE49-F238E27FC236}">
-                <a16:creationId xmlns:a16="http://schemas.microsoft.com/office/drawing/2014/main" id="{8525C2D7-E417-70EE-D336-6C2729628304}"/>
-              </a:ext>
-            </a:extLst>
-          </p:cNvPr>
-          <p:cNvSpPr>
-            <a:spLocks noGrp="1"/>
-          </p:cNvSpPr>
-          <p:nvPr>
-            <p:ph type="title"/>
-          </p:nvPr>
-        </p:nvSpPr>
-        <p:spPr/>
-        <p:txBody>
-          <a:bodyPr/>
-          <a:lstStyle/>
-          <a:p>
-            <a:pPr marL="0" lvl="0" indent="0">
-              <a:buNone/>
-            </a:pPr>
-            <a:r>
-              <a:t>Data Frame Manipulation</a:t>
-            </a:r>
-          </a:p>
-        </p:txBody>
-      </p:sp>
-      <p:sp>
-        <p:nvSpPr>
-          <p:cNvPr id="3" name="Content Placeholder 2">
-            <a:extLst>
-              <a:ext uri="{FF2B5EF4-FFF2-40B4-BE49-F238E27FC236}">
-                <a16:creationId xmlns:a16="http://schemas.microsoft.com/office/drawing/2014/main" id="{51C3FE42-1672-993E-68F1-5E07C2E42057}"/>
-              </a:ext>
-            </a:extLst>
-          </p:cNvPr>
-          <p:cNvSpPr>
-            <a:spLocks noGrp="1"/>
-          </p:cNvSpPr>
-          <p:nvPr>
-            <p:ph idx="1"/>
-          </p:nvPr>
-        </p:nvSpPr>
-        <p:spPr/>
-        <p:txBody>
-          <a:bodyPr/>
-          <a:lstStyle/>
-          <a:p>
-            <a:pPr lvl="0"/>
-            <a:r>
-              <a:t>Use names() to see variable names</a:t>
-            </a:r>
-          </a:p>
-          <a:p>
-            <a:pPr lvl="0"/>
-            <a:r>
-              <a:t>Use $ operator to access variables: data$variable</a:t>
-            </a:r>
-          </a:p>
-          <a:p>
-            <a:pPr lvl="0"/>
-            <a:r>
-              <a:t>Use str() to examine data frame structure</a:t>
-            </a:r>
-          </a:p>
-          <a:p>
-            <a:pPr lvl="0"/>
-            <a:r>
-              <a:t>Use [ , ] indexing for rows and columns</a:t>
-            </a:r>
-          </a:p>
-        </p:txBody>
-      </p:sp>
+      <p:pic>
+        <p:nvPicPr>
+          <p:cNvPr id="4098" name="Picture 2">
+            <a:extLst>
+              <a:ext uri="{FF2B5EF4-FFF2-40B4-BE49-F238E27FC236}">
+                <a16:creationId xmlns:a16="http://schemas.microsoft.com/office/drawing/2014/main" id="{2474D0A7-D843-D951-09A7-D6D6C7AF4665}"/>
+              </a:ext>
+            </a:extLst>
+          </p:cNvPr>
+          <p:cNvPicPr>
+            <a:picLocks noChangeAspect="1" noChangeArrowheads="1"/>
+          </p:cNvPicPr>
+          <p:nvPr/>
+        </p:nvPicPr>
+        <p:blipFill>
+          <a:blip r:embed="rId2">
+            <a:extLst>
+              <a:ext uri="{28A0092B-C50C-407E-A947-70E740481C1C}">
+                <a14:useLocalDpi xmlns:a14="http://schemas.microsoft.com/office/drawing/2010/main" val="0"/>
+              </a:ext>
+            </a:extLst>
+          </a:blip>
+          <a:srcRect/>
+          <a:stretch>
+            <a:fillRect/>
+          </a:stretch>
+        </p:blipFill>
+        <p:spPr bwMode="auto">
+          <a:xfrm>
+            <a:off x="1714500" y="1204913"/>
+            <a:ext cx="8763000" cy="4448175"/>
+          </a:xfrm>
+          <a:prstGeom prst="rect">
+            <a:avLst/>
+          </a:prstGeom>
+          <a:noFill/>
+          <a:extLst>
+            <a:ext uri="{909E8E84-426E-40DD-AFC4-6F175D3DCCD1}">
+              <a14:hiddenFill xmlns:a14="http://schemas.microsoft.com/office/drawing/2010/main">
+                <a:solidFill>
+                  <a:srgbClr val="FFFFFF"/>
+                </a:solidFill>
+              </a14:hiddenFill>
+            </a:ext>
+          </a:extLst>
+        </p:spPr>
+      </p:pic>
     </p:spTree>
+    <p:extLst>
+      <p:ext uri="{BB962C8B-B14F-4D97-AF65-F5344CB8AC3E}">
+        <p14:creationId xmlns:p14="http://schemas.microsoft.com/office/powerpoint/2010/main" val="1427996189"/>
+      </p:ext>
+    </p:extLst>
   </p:cSld>
   <p:clrMapOvr>
     <a:masterClrMapping/>
@@ -3633,7 +3660,7 @@
               <a:buNone/>
             </a:pPr>
             <a:r>
-              <a:t>Key Data Frame Functions</a:t>
+              <a:t>Reading Data into R</a:t>
             </a:r>
           </a:p>
         </p:txBody>
@@ -3661,25 +3688,60 @@
           <a:p>
             <a:pPr lvl="0"/>
             <a:r>
-              <a:t>names(): returns variable names</a:t>
-            </a:r>
-          </a:p>
-          <a:p>
-            <a:pPr lvl="0"/>
-            <a:r>
-              <a:t>str(): shows structure and first few values</a:t>
-            </a:r>
-          </a:p>
-          <a:p>
-            <a:pPr lvl="0"/>
-            <a:r>
-              <a:t>attach(): makes variables directly accessible</a:t>
-            </a:r>
-          </a:p>
-          <a:p>
-            <a:pPr lvl="0"/>
-            <a:r>
-              <a:t>detach(): undoes attach() operation</a:t>
+              <a:t>Use read.xlsx() from openxlsx package for Excel</a:t>
+            </a:r>
+          </a:p>
+          <a:p>
+            <a:pPr lvl="0"/>
+            <a:r>
+              <a:t>Use read.csv() for CSV files</a:t>
+            </a:r>
+          </a:p>
+          <a:p>
+            <a:pPr lvl="0"/>
+            <a:r>
+              <a:t>Set working directory with setwd() first</a:t>
+            </a:r>
+          </a:p>
+          <a:p>
+            <a:pPr lvl="0"/>
+            <a:r>
+              <a:t>Ensure file paths use forward slashes</a:t>
+            </a:r>
+          </a:p>
+        </p:txBody>
+      </p:sp>
+      <p:sp>
+        <p:nvSpPr>
+          <p:cNvPr id="4" name="TextBox 3">
+            <a:extLst>
+              <a:ext uri="{FF2B5EF4-FFF2-40B4-BE49-F238E27FC236}">
+                <a16:creationId xmlns:a16="http://schemas.microsoft.com/office/drawing/2014/main" id="{1319CD67-9131-06EF-EC25-10E1CF317AD4}"/>
+              </a:ext>
+            </a:extLst>
+          </p:cNvPr>
+          <p:cNvSpPr txBox="1"/>
+          <p:nvPr/>
+        </p:nvSpPr>
+        <p:spPr>
+          <a:xfrm>
+            <a:off x="3726612" y="4692769"/>
+            <a:ext cx="3774110" cy="646331"/>
+          </a:xfrm>
+          <a:prstGeom prst="rect">
+            <a:avLst/>
+          </a:prstGeom>
+          <a:noFill/>
+        </p:spPr>
+        <p:txBody>
+          <a:bodyPr wrap="none" rtlCol="0">
+            <a:spAutoFit/>
+          </a:bodyPr>
+          <a:lstStyle/>
+          <a:p>
+            <a:r>
+              <a:rPr lang="en-GB" sz="3600" b="1" dirty="0"/>
+              <a:t>&lt;demonstration&gt;</a:t>
             </a:r>
           </a:p>
         </p:txBody>
@@ -3734,6 +3796,379 @@
               <a:buNone/>
             </a:pPr>
             <a:r>
+              <a:t>Working Directory Management</a:t>
+            </a:r>
+          </a:p>
+        </p:txBody>
+      </p:sp>
+      <p:sp>
+        <p:nvSpPr>
+          <p:cNvPr id="3" name="Content Placeholder 2">
+            <a:extLst>
+              <a:ext uri="{FF2B5EF4-FFF2-40B4-BE49-F238E27FC236}">
+                <a16:creationId xmlns:a16="http://schemas.microsoft.com/office/drawing/2014/main" id="{51C3FE42-1672-993E-68F1-5E07C2E42057}"/>
+              </a:ext>
+            </a:extLst>
+          </p:cNvPr>
+          <p:cNvSpPr>
+            <a:spLocks noGrp="1"/>
+          </p:cNvSpPr>
+          <p:nvPr>
+            <p:ph idx="1"/>
+          </p:nvPr>
+        </p:nvSpPr>
+        <p:spPr/>
+        <p:txBody>
+          <a:bodyPr/>
+          <a:lstStyle/>
+          <a:p>
+            <a:pPr lvl="0"/>
+            <a:r>
+              <a:t>Formally set working directory for file operations</a:t>
+            </a:r>
+          </a:p>
+          <a:p>
+            <a:pPr lvl="0"/>
+            <a:r>
+              <a:t>Use getwd() to check current directory</a:t>
+            </a:r>
+          </a:p>
+          <a:p>
+            <a:pPr lvl="0"/>
+            <a:r>
+              <a:t>Use setwd() to change to desired location</a:t>
+            </a:r>
+          </a:p>
+          <a:p>
+            <a:pPr lvl="0"/>
+            <a:r>
+              <a:t>Essential for organizing input and output files</a:t>
+            </a:r>
+          </a:p>
+        </p:txBody>
+      </p:sp>
+      <p:sp>
+        <p:nvSpPr>
+          <p:cNvPr id="4" name="TextBox 3">
+            <a:extLst>
+              <a:ext uri="{FF2B5EF4-FFF2-40B4-BE49-F238E27FC236}">
+                <a16:creationId xmlns:a16="http://schemas.microsoft.com/office/drawing/2014/main" id="{29926501-3846-7701-A186-EAB22F0AEFF6}"/>
+              </a:ext>
+            </a:extLst>
+          </p:cNvPr>
+          <p:cNvSpPr txBox="1"/>
+          <p:nvPr/>
+        </p:nvSpPr>
+        <p:spPr>
+          <a:xfrm>
+            <a:off x="3726612" y="4692769"/>
+            <a:ext cx="3774110" cy="646331"/>
+          </a:xfrm>
+          <a:prstGeom prst="rect">
+            <a:avLst/>
+          </a:prstGeom>
+          <a:noFill/>
+        </p:spPr>
+        <p:txBody>
+          <a:bodyPr wrap="none" rtlCol="0">
+            <a:spAutoFit/>
+          </a:bodyPr>
+          <a:lstStyle/>
+          <a:p>
+            <a:r>
+              <a:rPr lang="en-GB" sz="3600" b="1" dirty="0"/>
+              <a:t>&lt;demonstration&gt;</a:t>
+            </a:r>
+          </a:p>
+        </p:txBody>
+      </p:sp>
+    </p:spTree>
+  </p:cSld>
+  <p:clrMapOvr>
+    <a:masterClrMapping/>
+  </p:clrMapOvr>
+</p:sld>
+</file>
+
+<file path=ppt/slides/slide13.xml><?xml version="1.0" encoding="utf-8"?>
+<p:sld xmlns:a="http://schemas.openxmlformats.org/drawingml/2006/main" xmlns:r="http://schemas.openxmlformats.org/officeDocument/2006/relationships" xmlns:p="http://schemas.openxmlformats.org/presentationml/2006/main">
+  <p:cSld>
+    <p:spTree>
+      <p:nvGrpSpPr>
+        <p:cNvPr id="1" name=""/>
+        <p:cNvGrpSpPr/>
+        <p:nvPr/>
+      </p:nvGrpSpPr>
+      <p:grpSpPr>
+        <a:xfrm>
+          <a:off x="0" y="0"/>
+          <a:ext cx="0" cy="0"/>
+          <a:chOff x="0" y="0"/>
+          <a:chExt cx="0" cy="0"/>
+        </a:xfrm>
+      </p:grpSpPr>
+      <p:sp>
+        <p:nvSpPr>
+          <p:cNvPr id="2" name="Title 1">
+            <a:extLst>
+              <a:ext uri="{FF2B5EF4-FFF2-40B4-BE49-F238E27FC236}">
+                <a16:creationId xmlns:a16="http://schemas.microsoft.com/office/drawing/2014/main" id="{8525C2D7-E417-70EE-D336-6C2729628304}"/>
+              </a:ext>
+            </a:extLst>
+          </p:cNvPr>
+          <p:cNvSpPr>
+            <a:spLocks noGrp="1"/>
+          </p:cNvSpPr>
+          <p:nvPr>
+            <p:ph type="title"/>
+          </p:nvPr>
+        </p:nvSpPr>
+        <p:spPr/>
+        <p:txBody>
+          <a:bodyPr/>
+          <a:lstStyle/>
+          <a:p>
+            <a:pPr marL="0" lvl="0" indent="0">
+              <a:buNone/>
+            </a:pPr>
+            <a:r>
+              <a:t>Data Frame Manipulation</a:t>
+            </a:r>
+          </a:p>
+        </p:txBody>
+      </p:sp>
+      <p:sp>
+        <p:nvSpPr>
+          <p:cNvPr id="3" name="Content Placeholder 2">
+            <a:extLst>
+              <a:ext uri="{FF2B5EF4-FFF2-40B4-BE49-F238E27FC236}">
+                <a16:creationId xmlns:a16="http://schemas.microsoft.com/office/drawing/2014/main" id="{51C3FE42-1672-993E-68F1-5E07C2E42057}"/>
+              </a:ext>
+            </a:extLst>
+          </p:cNvPr>
+          <p:cNvSpPr>
+            <a:spLocks noGrp="1"/>
+          </p:cNvSpPr>
+          <p:nvPr>
+            <p:ph idx="1"/>
+          </p:nvPr>
+        </p:nvSpPr>
+        <p:spPr/>
+        <p:txBody>
+          <a:bodyPr/>
+          <a:lstStyle/>
+          <a:p>
+            <a:pPr lvl="0"/>
+            <a:r>
+              <a:t>Use names() to see variable names</a:t>
+            </a:r>
+          </a:p>
+          <a:p>
+            <a:pPr lvl="0"/>
+            <a:r>
+              <a:t>Use $ operator to access variables: data$variable</a:t>
+            </a:r>
+          </a:p>
+          <a:p>
+            <a:pPr lvl="0"/>
+            <a:r>
+              <a:t>Use str() to examine data frame structure</a:t>
+            </a:r>
+          </a:p>
+          <a:p>
+            <a:pPr lvl="0"/>
+            <a:r>
+              <a:t>Use [ , ] indexing for rows and columns</a:t>
+            </a:r>
+          </a:p>
+        </p:txBody>
+      </p:sp>
+      <p:sp>
+        <p:nvSpPr>
+          <p:cNvPr id="4" name="TextBox 3">
+            <a:extLst>
+              <a:ext uri="{FF2B5EF4-FFF2-40B4-BE49-F238E27FC236}">
+                <a16:creationId xmlns:a16="http://schemas.microsoft.com/office/drawing/2014/main" id="{BC96BD1A-C57B-0127-2C9C-AA1377AC6C44}"/>
+              </a:ext>
+            </a:extLst>
+          </p:cNvPr>
+          <p:cNvSpPr txBox="1"/>
+          <p:nvPr/>
+        </p:nvSpPr>
+        <p:spPr>
+          <a:xfrm>
+            <a:off x="3726612" y="4692769"/>
+            <a:ext cx="3774110" cy="646331"/>
+          </a:xfrm>
+          <a:prstGeom prst="rect">
+            <a:avLst/>
+          </a:prstGeom>
+          <a:noFill/>
+        </p:spPr>
+        <p:txBody>
+          <a:bodyPr wrap="none" rtlCol="0">
+            <a:spAutoFit/>
+          </a:bodyPr>
+          <a:lstStyle/>
+          <a:p>
+            <a:r>
+              <a:rPr lang="en-GB" sz="3600" b="1" dirty="0"/>
+              <a:t>&lt;demonstration&gt;</a:t>
+            </a:r>
+          </a:p>
+        </p:txBody>
+      </p:sp>
+    </p:spTree>
+  </p:cSld>
+  <p:clrMapOvr>
+    <a:masterClrMapping/>
+  </p:clrMapOvr>
+</p:sld>
+</file>
+
+<file path=ppt/slides/slide14.xml><?xml version="1.0" encoding="utf-8"?>
+<p:sld xmlns:a="http://schemas.openxmlformats.org/drawingml/2006/main" xmlns:r="http://schemas.openxmlformats.org/officeDocument/2006/relationships" xmlns:p="http://schemas.openxmlformats.org/presentationml/2006/main">
+  <p:cSld>
+    <p:spTree>
+      <p:nvGrpSpPr>
+        <p:cNvPr id="1" name=""/>
+        <p:cNvGrpSpPr/>
+        <p:nvPr/>
+      </p:nvGrpSpPr>
+      <p:grpSpPr>
+        <a:xfrm>
+          <a:off x="0" y="0"/>
+          <a:ext cx="0" cy="0"/>
+          <a:chOff x="0" y="0"/>
+          <a:chExt cx="0" cy="0"/>
+        </a:xfrm>
+      </p:grpSpPr>
+      <p:sp>
+        <p:nvSpPr>
+          <p:cNvPr id="2" name="Title 1">
+            <a:extLst>
+              <a:ext uri="{FF2B5EF4-FFF2-40B4-BE49-F238E27FC236}">
+                <a16:creationId xmlns:a16="http://schemas.microsoft.com/office/drawing/2014/main" id="{8525C2D7-E417-70EE-D336-6C2729628304}"/>
+              </a:ext>
+            </a:extLst>
+          </p:cNvPr>
+          <p:cNvSpPr>
+            <a:spLocks noGrp="1"/>
+          </p:cNvSpPr>
+          <p:nvPr>
+            <p:ph type="title"/>
+          </p:nvPr>
+        </p:nvSpPr>
+        <p:spPr/>
+        <p:txBody>
+          <a:bodyPr/>
+          <a:lstStyle/>
+          <a:p>
+            <a:pPr marL="0" lvl="0" indent="0">
+              <a:buNone/>
+            </a:pPr>
+            <a:r>
+              <a:t>Key Data Frame Functions</a:t>
+            </a:r>
+          </a:p>
+        </p:txBody>
+      </p:sp>
+      <p:sp>
+        <p:nvSpPr>
+          <p:cNvPr id="3" name="Content Placeholder 2">
+            <a:extLst>
+              <a:ext uri="{FF2B5EF4-FFF2-40B4-BE49-F238E27FC236}">
+                <a16:creationId xmlns:a16="http://schemas.microsoft.com/office/drawing/2014/main" id="{51C3FE42-1672-993E-68F1-5E07C2E42057}"/>
+              </a:ext>
+            </a:extLst>
+          </p:cNvPr>
+          <p:cNvSpPr>
+            <a:spLocks noGrp="1"/>
+          </p:cNvSpPr>
+          <p:nvPr>
+            <p:ph idx="1"/>
+          </p:nvPr>
+        </p:nvSpPr>
+        <p:spPr/>
+        <p:txBody>
+          <a:bodyPr/>
+          <a:lstStyle/>
+          <a:p>
+            <a:pPr lvl="0"/>
+            <a:r>
+              <a:t>names(): returns variable names</a:t>
+            </a:r>
+          </a:p>
+          <a:p>
+            <a:pPr lvl="0"/>
+            <a:r>
+              <a:t>str(): shows structure and first few values</a:t>
+            </a:r>
+          </a:p>
+          <a:p>
+            <a:pPr lvl="0"/>
+            <a:r>
+              <a:t>attach(): makes variables directly accessible</a:t>
+            </a:r>
+          </a:p>
+          <a:p>
+            <a:pPr lvl="0"/>
+            <a:r>
+              <a:t>detach(): undoes attach() operation</a:t>
+            </a:r>
+          </a:p>
+        </p:txBody>
+      </p:sp>
+    </p:spTree>
+  </p:cSld>
+  <p:clrMapOvr>
+    <a:masterClrMapping/>
+  </p:clrMapOvr>
+</p:sld>
+</file>
+
+<file path=ppt/slides/slide15.xml><?xml version="1.0" encoding="utf-8"?>
+<p:sld xmlns:a="http://schemas.openxmlformats.org/drawingml/2006/main" xmlns:r="http://schemas.openxmlformats.org/officeDocument/2006/relationships" xmlns:p="http://schemas.openxmlformats.org/presentationml/2006/main">
+  <p:cSld>
+    <p:spTree>
+      <p:nvGrpSpPr>
+        <p:cNvPr id="1" name=""/>
+        <p:cNvGrpSpPr/>
+        <p:nvPr/>
+      </p:nvGrpSpPr>
+      <p:grpSpPr>
+        <a:xfrm>
+          <a:off x="0" y="0"/>
+          <a:ext cx="0" cy="0"/>
+          <a:chOff x="0" y="0"/>
+          <a:chExt cx="0" cy="0"/>
+        </a:xfrm>
+      </p:grpSpPr>
+      <p:sp>
+        <p:nvSpPr>
+          <p:cNvPr id="2" name="Title 1">
+            <a:extLst>
+              <a:ext uri="{FF2B5EF4-FFF2-40B4-BE49-F238E27FC236}">
+                <a16:creationId xmlns:a16="http://schemas.microsoft.com/office/drawing/2014/main" id="{8525C2D7-E417-70EE-D336-6C2729628304}"/>
+              </a:ext>
+            </a:extLst>
+          </p:cNvPr>
+          <p:cNvSpPr>
+            <a:spLocks noGrp="1"/>
+          </p:cNvSpPr>
+          <p:nvPr>
+            <p:ph type="title"/>
+          </p:nvPr>
+        </p:nvSpPr>
+        <p:spPr/>
+        <p:txBody>
+          <a:bodyPr/>
+          <a:lstStyle/>
+          <a:p>
+            <a:pPr marL="0" lvl="0" indent="0">
+              <a:buNone/>
+            </a:pPr>
+            <a:r>
               <a:t>Index Operator Usage</a:t>
             </a:r>
           </a:p>
@@ -3785,6 +4220,132 @@
           </a:p>
         </p:txBody>
       </p:sp>
+      <p:sp>
+        <p:nvSpPr>
+          <p:cNvPr id="4" name="TextBox 3">
+            <a:extLst>
+              <a:ext uri="{FF2B5EF4-FFF2-40B4-BE49-F238E27FC236}">
+                <a16:creationId xmlns:a16="http://schemas.microsoft.com/office/drawing/2014/main" id="{5CE07FEA-E5A0-8EF3-7D70-8A618F7A585F}"/>
+              </a:ext>
+            </a:extLst>
+          </p:cNvPr>
+          <p:cNvSpPr txBox="1"/>
+          <p:nvPr/>
+        </p:nvSpPr>
+        <p:spPr>
+          <a:xfrm>
+            <a:off x="3726612" y="4692769"/>
+            <a:ext cx="3774110" cy="646331"/>
+          </a:xfrm>
+          <a:prstGeom prst="rect">
+            <a:avLst/>
+          </a:prstGeom>
+          <a:noFill/>
+        </p:spPr>
+        <p:txBody>
+          <a:bodyPr wrap="none" rtlCol="0">
+            <a:spAutoFit/>
+          </a:bodyPr>
+          <a:lstStyle/>
+          <a:p>
+            <a:r>
+              <a:rPr lang="en-GB" sz="3600" b="1" dirty="0"/>
+              <a:t>&lt;demonstration&gt;</a:t>
+            </a:r>
+          </a:p>
+        </p:txBody>
+      </p:sp>
+    </p:spTree>
+  </p:cSld>
+  <p:clrMapOvr>
+    <a:masterClrMapping/>
+  </p:clrMapOvr>
+</p:sld>
+</file>
+
+<file path=ppt/slides/slide16.xml><?xml version="1.0" encoding="utf-8"?>
+<p:sld xmlns:a="http://schemas.openxmlformats.org/drawingml/2006/main" xmlns:r="http://schemas.openxmlformats.org/officeDocument/2006/relationships" xmlns:p="http://schemas.openxmlformats.org/presentationml/2006/main">
+  <p:cSld>
+    <p:spTree>
+      <p:nvGrpSpPr>
+        <p:cNvPr id="1" name=""/>
+        <p:cNvGrpSpPr/>
+        <p:nvPr/>
+      </p:nvGrpSpPr>
+      <p:grpSpPr>
+        <a:xfrm>
+          <a:off x="0" y="0"/>
+          <a:ext cx="0" cy="0"/>
+          <a:chOff x="0" y="0"/>
+          <a:chExt cx="0" cy="0"/>
+        </a:xfrm>
+      </p:grpSpPr>
+      <p:sp>
+        <p:nvSpPr>
+          <p:cNvPr id="2" name="Title 1">
+            <a:extLst>
+              <a:ext uri="{FF2B5EF4-FFF2-40B4-BE49-F238E27FC236}">
+                <a16:creationId xmlns:a16="http://schemas.microsoft.com/office/drawing/2014/main" id="{8525C2D7-E417-70EE-D336-6C2729628304}"/>
+              </a:ext>
+            </a:extLst>
+          </p:cNvPr>
+          <p:cNvSpPr>
+            <a:spLocks noGrp="1"/>
+          </p:cNvSpPr>
+          <p:nvPr>
+            <p:ph type="title"/>
+          </p:nvPr>
+        </p:nvSpPr>
+        <p:spPr/>
+        <p:txBody>
+          <a:bodyPr/>
+          <a:lstStyle/>
+          <a:p>
+            <a:pPr marL="0" lvl="0" indent="0">
+              <a:buNone/>
+            </a:pPr>
+            <a:r>
+              <a:t>Practice Exercises</a:t>
+            </a:r>
+          </a:p>
+        </p:txBody>
+      </p:sp>
+      <p:pic>
+        <p:nvPicPr>
+          <p:cNvPr id="6" name="Picture 5" descr="A cat sitting on a computer&#10;&#10;AI-generated content may be incorrect.">
+            <a:extLst>
+              <a:ext uri="{FF2B5EF4-FFF2-40B4-BE49-F238E27FC236}">
+                <a16:creationId xmlns:a16="http://schemas.microsoft.com/office/drawing/2014/main" id="{D2E0F507-A649-BEC3-934D-D62F9A7982A2}"/>
+              </a:ext>
+            </a:extLst>
+          </p:cNvPr>
+          <p:cNvPicPr>
+            <a:picLocks noChangeAspect="1"/>
+          </p:cNvPicPr>
+          <p:nvPr/>
+        </p:nvPicPr>
+        <p:blipFill>
+          <a:blip r:embed="rId2">
+            <a:extLst>
+              <a:ext uri="{28A0092B-C50C-407E-A947-70E740481C1C}">
+                <a14:useLocalDpi xmlns:a14="http://schemas.microsoft.com/office/drawing/2010/main" val="0"/>
+              </a:ext>
+            </a:extLst>
+          </a:blip>
+          <a:stretch>
+            <a:fillRect/>
+          </a:stretch>
+        </p:blipFill>
+        <p:spPr>
+          <a:xfrm>
+            <a:off x="2154453" y="1417320"/>
+            <a:ext cx="7883093" cy="5255395"/>
+          </a:xfrm>
+          <a:prstGeom prst="rect">
+            <a:avLst/>
+          </a:prstGeom>
+        </p:spPr>
+      </p:pic>
     </p:spTree>
   </p:cSld>
   <p:clrMapOvr>
@@ -4058,36 +4619,75 @@
             <p:ph idx="1"/>
           </p:nvPr>
         </p:nvSpPr>
-        <p:spPr/>
-        <p:txBody>
-          <a:bodyPr/>
-          <a:lstStyle/>
-          <a:p>
-            <a:pPr lvl="0"/>
-            <a:r>
+        <p:spPr>
+          <a:xfrm>
+            <a:off x="838200" y="1825625"/>
+            <a:ext cx="5257800" cy="4351338"/>
+          </a:xfrm>
+        </p:spPr>
+        <p:txBody>
+          <a:bodyPr/>
+          <a:lstStyle/>
+          <a:p>
+            <a:pPr lvl="0"/>
+            <a:r>
+              <a:rPr dirty="0"/>
               <a:t>Each variable should be in a column</a:t>
             </a:r>
           </a:p>
           <a:p>
             <a:pPr lvl="0"/>
             <a:r>
+              <a:rPr dirty="0"/>
               <a:t>Each independent observation should be in a row</a:t>
             </a:r>
           </a:p>
           <a:p>
             <a:pPr lvl="0"/>
             <a:r>
+              <a:rPr dirty="0"/>
               <a:t>Data dictionary should accompany dataset</a:t>
             </a:r>
           </a:p>
           <a:p>
             <a:pPr lvl="0"/>
             <a:r>
+              <a:rPr dirty="0"/>
               <a:t>Facilitates complete reproducibility of analysis</a:t>
             </a:r>
           </a:p>
         </p:txBody>
       </p:sp>
+      <p:pic>
+        <p:nvPicPr>
+          <p:cNvPr id="5" name="Picture 4">
+            <a:extLst>
+              <a:ext uri="{FF2B5EF4-FFF2-40B4-BE49-F238E27FC236}">
+                <a16:creationId xmlns:a16="http://schemas.microsoft.com/office/drawing/2014/main" id="{B007D6FB-B83A-A6E7-1E8C-CC6869153C6B}"/>
+              </a:ext>
+            </a:extLst>
+          </p:cNvPr>
+          <p:cNvPicPr>
+            <a:picLocks noChangeAspect="1"/>
+          </p:cNvPicPr>
+          <p:nvPr/>
+        </p:nvPicPr>
+        <p:blipFill>
+          <a:blip r:embed="rId2"/>
+          <a:stretch>
+            <a:fillRect/>
+          </a:stretch>
+        </p:blipFill>
+        <p:spPr>
+          <a:xfrm>
+            <a:off x="6096000" y="1750846"/>
+            <a:ext cx="5929229" cy="3884140"/>
+          </a:xfrm>
+          <a:prstGeom prst="rect">
+            <a:avLst/>
+          </a:prstGeom>
+        </p:spPr>
+      </p:pic>
     </p:spTree>
   </p:cSld>
   <p:clrMapOvr>
@@ -4315,83 +4915,94 @@
           <a:chExt cx="0" cy="0"/>
         </a:xfrm>
       </p:grpSpPr>
-      <p:sp>
-        <p:nvSpPr>
-          <p:cNvPr id="2" name="Title 1">
-            <a:extLst>
-              <a:ext uri="{FF2B5EF4-FFF2-40B4-BE49-F238E27FC236}">
-                <a16:creationId xmlns:a16="http://schemas.microsoft.com/office/drawing/2014/main" id="{8525C2D7-E417-70EE-D336-6C2729628304}"/>
-              </a:ext>
-            </a:extLst>
-          </p:cNvPr>
-          <p:cNvSpPr>
-            <a:spLocks noGrp="1"/>
-          </p:cNvSpPr>
-          <p:nvPr>
-            <p:ph type="title"/>
-          </p:nvPr>
-        </p:nvSpPr>
-        <p:spPr/>
-        <p:txBody>
-          <a:bodyPr/>
-          <a:lstStyle/>
-          <a:p>
-            <a:pPr marL="0" lvl="0" indent="0">
-              <a:buNone/>
-            </a:pPr>
-            <a:r>
-              <a:t>Data Dictionary Importance</a:t>
-            </a:r>
-          </a:p>
-        </p:txBody>
-      </p:sp>
-      <p:sp>
-        <p:nvSpPr>
-          <p:cNvPr id="3" name="Content Placeholder 2">
-            <a:extLst>
-              <a:ext uri="{FF2B5EF4-FFF2-40B4-BE49-F238E27FC236}">
-                <a16:creationId xmlns:a16="http://schemas.microsoft.com/office/drawing/2014/main" id="{51C3FE42-1672-993E-68F1-5E07C2E42057}"/>
-              </a:ext>
-            </a:extLst>
-          </p:cNvPr>
-          <p:cNvSpPr>
-            <a:spLocks noGrp="1"/>
-          </p:cNvSpPr>
-          <p:nvPr>
-            <p:ph idx="1"/>
-          </p:nvPr>
-        </p:nvSpPr>
-        <p:spPr/>
-        <p:txBody>
-          <a:bodyPr/>
-          <a:lstStyle/>
-          <a:p>
-            <a:pPr lvl="0"/>
-            <a:r>
-              <a:t>Describes each variable in enough detail</a:t>
-            </a:r>
-          </a:p>
-          <a:p>
-            <a:pPr lvl="0"/>
-            <a:r>
-              <a:t>Enables complete reproduction of any analysis</a:t>
-            </a:r>
-          </a:p>
-          <a:p>
-            <a:pPr lvl="0"/>
-            <a:r>
-              <a:t>Essential component of reproducible research</a:t>
-            </a:r>
-          </a:p>
-          <a:p>
-            <a:pPr lvl="0"/>
-            <a:r>
-              <a:t>Should accompany every dataset</a:t>
+      <p:pic>
+        <p:nvPicPr>
+          <p:cNvPr id="2050" name="Picture 2">
+            <a:extLst>
+              <a:ext uri="{FF2B5EF4-FFF2-40B4-BE49-F238E27FC236}">
+                <a16:creationId xmlns:a16="http://schemas.microsoft.com/office/drawing/2014/main" id="{B119BBE9-1B88-EBAB-2D10-F0029DFB45BF}"/>
+              </a:ext>
+            </a:extLst>
+          </p:cNvPr>
+          <p:cNvPicPr>
+            <a:picLocks noChangeAspect="1" noChangeArrowheads="1"/>
+          </p:cNvPicPr>
+          <p:nvPr/>
+        </p:nvPicPr>
+        <p:blipFill>
+          <a:blip r:embed="rId2">
+            <a:extLst>
+              <a:ext uri="{28A0092B-C50C-407E-A947-70E740481C1C}">
+                <a14:useLocalDpi xmlns:a14="http://schemas.microsoft.com/office/drawing/2010/main" val="0"/>
+              </a:ext>
+            </a:extLst>
+          </a:blip>
+          <a:srcRect/>
+          <a:stretch>
+            <a:fillRect/>
+          </a:stretch>
+        </p:blipFill>
+        <p:spPr bwMode="auto">
+          <a:xfrm>
+            <a:off x="1436069" y="919881"/>
+            <a:ext cx="9319862" cy="5764863"/>
+          </a:xfrm>
+          <a:prstGeom prst="rect">
+            <a:avLst/>
+          </a:prstGeom>
+          <a:noFill/>
+          <a:extLst>
+            <a:ext uri="{909E8E84-426E-40DD-AFC4-6F175D3DCCD1}">
+              <a14:hiddenFill xmlns:a14="http://schemas.microsoft.com/office/drawing/2010/main">
+                <a:solidFill>
+                  <a:srgbClr val="FFFFFF"/>
+                </a:solidFill>
+              </a14:hiddenFill>
+            </a:ext>
+          </a:extLst>
+        </p:spPr>
+      </p:pic>
+      <p:sp>
+        <p:nvSpPr>
+          <p:cNvPr id="2" name="TextBox 1">
+            <a:extLst>
+              <a:ext uri="{FF2B5EF4-FFF2-40B4-BE49-F238E27FC236}">
+                <a16:creationId xmlns:a16="http://schemas.microsoft.com/office/drawing/2014/main" id="{A994B768-19C8-2089-E189-4B486E2BBD16}"/>
+              </a:ext>
+            </a:extLst>
+          </p:cNvPr>
+          <p:cNvSpPr txBox="1"/>
+          <p:nvPr/>
+        </p:nvSpPr>
+        <p:spPr>
+          <a:xfrm>
+            <a:off x="1193533" y="365760"/>
+            <a:ext cx="832279" cy="369332"/>
+          </a:xfrm>
+          <a:prstGeom prst="rect">
+            <a:avLst/>
+          </a:prstGeom>
+          <a:noFill/>
+        </p:spPr>
+        <p:txBody>
+          <a:bodyPr wrap="none" rtlCol="0">
+            <a:spAutoFit/>
+          </a:bodyPr>
+          <a:lstStyle/>
+          <a:p>
+            <a:r>
+              <a:rPr lang="en-GB" dirty="0"/>
+              <a:t>Untidy</a:t>
             </a:r>
           </a:p>
         </p:txBody>
       </p:sp>
     </p:spTree>
+    <p:extLst>
+      <p:ext uri="{BB962C8B-B14F-4D97-AF65-F5344CB8AC3E}">
+        <p14:creationId xmlns:p14="http://schemas.microsoft.com/office/powerpoint/2010/main" val="887379957"/>
+      </p:ext>
+    </p:extLst>
   </p:cSld>
   <p:clrMapOvr>
     <a:masterClrMapping/>
@@ -4418,81 +5029,92 @@
       </p:grpSpPr>
       <p:sp>
         <p:nvSpPr>
-          <p:cNvPr id="2" name="Title 1">
-            <a:extLst>
-              <a:ext uri="{FF2B5EF4-FFF2-40B4-BE49-F238E27FC236}">
-                <a16:creationId xmlns:a16="http://schemas.microsoft.com/office/drawing/2014/main" id="{8525C2D7-E417-70EE-D336-6C2729628304}"/>
-              </a:ext>
-            </a:extLst>
-          </p:cNvPr>
-          <p:cNvSpPr>
-            <a:spLocks noGrp="1"/>
-          </p:cNvSpPr>
-          <p:nvPr>
-            <p:ph type="title"/>
-          </p:nvPr>
-        </p:nvSpPr>
-        <p:spPr/>
-        <p:txBody>
-          <a:bodyPr/>
-          <a:lstStyle/>
-          <a:p>
-            <a:pPr marL="0" lvl="0" indent="0">
-              <a:buNone/>
-            </a:pPr>
-            <a:r>
-              <a:t>Reading Data into R</a:t>
-            </a:r>
-          </a:p>
-        </p:txBody>
-      </p:sp>
-      <p:sp>
-        <p:nvSpPr>
-          <p:cNvPr id="3" name="Content Placeholder 2">
-            <a:extLst>
-              <a:ext uri="{FF2B5EF4-FFF2-40B4-BE49-F238E27FC236}">
-                <a16:creationId xmlns:a16="http://schemas.microsoft.com/office/drawing/2014/main" id="{51C3FE42-1672-993E-68F1-5E07C2E42057}"/>
-              </a:ext>
-            </a:extLst>
-          </p:cNvPr>
-          <p:cNvSpPr>
-            <a:spLocks noGrp="1"/>
-          </p:cNvSpPr>
-          <p:nvPr>
-            <p:ph idx="1"/>
-          </p:nvPr>
-        </p:nvSpPr>
-        <p:spPr/>
-        <p:txBody>
-          <a:bodyPr/>
-          <a:lstStyle/>
-          <a:p>
-            <a:pPr lvl="0"/>
-            <a:r>
-              <a:t>Use read.xlsx() from openxlsx package for Excel</a:t>
-            </a:r>
-          </a:p>
-          <a:p>
-            <a:pPr lvl="0"/>
-            <a:r>
-              <a:t>Use read.csv() for CSV files</a:t>
-            </a:r>
-          </a:p>
-          <a:p>
-            <a:pPr lvl="0"/>
-            <a:r>
-              <a:t>Set working directory with setwd() first</a:t>
-            </a:r>
-          </a:p>
-          <a:p>
-            <a:pPr lvl="0"/>
-            <a:r>
-              <a:t>Ensure file paths use forward slashes</a:t>
-            </a:r>
-          </a:p>
-        </p:txBody>
-      </p:sp>
+          <p:cNvPr id="2" name="TextBox 1">
+            <a:extLst>
+              <a:ext uri="{FF2B5EF4-FFF2-40B4-BE49-F238E27FC236}">
+                <a16:creationId xmlns:a16="http://schemas.microsoft.com/office/drawing/2014/main" id="{1004685F-6465-ED2F-153D-3A55D4160721}"/>
+              </a:ext>
+            </a:extLst>
+          </p:cNvPr>
+          <p:cNvSpPr txBox="1"/>
+          <p:nvPr/>
+        </p:nvSpPr>
+        <p:spPr>
+          <a:xfrm>
+            <a:off x="1249592" y="421762"/>
+            <a:ext cx="1156723" cy="369332"/>
+          </a:xfrm>
+          <a:prstGeom prst="rect">
+            <a:avLst/>
+          </a:prstGeom>
+          <a:noFill/>
+        </p:spPr>
+        <p:txBody>
+          <a:bodyPr wrap="square" rtlCol="0">
+            <a:spAutoFit/>
+          </a:bodyPr>
+          <a:lstStyle/>
+          <a:p>
+            <a:r>
+              <a:rPr lang="en-GB" dirty="0"/>
+              <a:t>Tidy</a:t>
+            </a:r>
+          </a:p>
+        </p:txBody>
+      </p:sp>
+      <p:pic>
+        <p:nvPicPr>
+          <p:cNvPr id="3074" name="Picture 2">
+            <a:extLst>
+              <a:ext uri="{FF2B5EF4-FFF2-40B4-BE49-F238E27FC236}">
+                <a16:creationId xmlns:a16="http://schemas.microsoft.com/office/drawing/2014/main" id="{0F0669D4-895D-9E40-45EA-A608BB27F6D8}"/>
+              </a:ext>
+            </a:extLst>
+          </p:cNvPr>
+          <p:cNvPicPr>
+            <a:picLocks noChangeAspect="1" noChangeArrowheads="1"/>
+          </p:cNvPicPr>
+          <p:nvPr/>
+        </p:nvPicPr>
+        <p:blipFill>
+          <a:blip r:embed="rId2">
+            <a:extLst>
+              <a:ext uri="{28A0092B-C50C-407E-A947-70E740481C1C}">
+                <a14:useLocalDpi xmlns:a14="http://schemas.microsoft.com/office/drawing/2010/main" val="0"/>
+              </a:ext>
+            </a:extLst>
+          </a:blip>
+          <a:srcRect/>
+          <a:stretch>
+            <a:fillRect/>
+          </a:stretch>
+        </p:blipFill>
+        <p:spPr bwMode="auto">
+          <a:xfrm>
+            <a:off x="1513470" y="879784"/>
+            <a:ext cx="9936380" cy="5725904"/>
+          </a:xfrm>
+          <a:prstGeom prst="rect">
+            <a:avLst/>
+          </a:prstGeom>
+          <a:noFill/>
+          <a:extLst>
+            <a:ext uri="{909E8E84-426E-40DD-AFC4-6F175D3DCCD1}">
+              <a14:hiddenFill xmlns:a14="http://schemas.microsoft.com/office/drawing/2010/main">
+                <a:solidFill>
+                  <a:srgbClr val="FFFFFF"/>
+                </a:solidFill>
+              </a14:hiddenFill>
+            </a:ext>
+          </a:extLst>
+        </p:spPr>
+      </p:pic>
     </p:spTree>
+    <p:extLst>
+      <p:ext uri="{BB962C8B-B14F-4D97-AF65-F5344CB8AC3E}">
+        <p14:creationId xmlns:p14="http://schemas.microsoft.com/office/powerpoint/2010/main" val="731810282"/>
+      </p:ext>
+    </p:extLst>
   </p:cSld>
   <p:clrMapOvr>
     <a:masterClrMapping/>
@@ -4542,7 +5164,7 @@
               <a:buNone/>
             </a:pPr>
             <a:r>
-              <a:t>Working Directory Management</a:t>
+              <a:t>Data Dictionary Importance</a:t>
             </a:r>
           </a:p>
         </p:txBody>
@@ -4570,25 +5192,25 @@
           <a:p>
             <a:pPr lvl="0"/>
             <a:r>
-              <a:t>Formally set working directory for file operations</a:t>
-            </a:r>
-          </a:p>
-          <a:p>
-            <a:pPr lvl="0"/>
-            <a:r>
-              <a:t>Use getwd() to check current directory</a:t>
-            </a:r>
-          </a:p>
-          <a:p>
-            <a:pPr lvl="0"/>
-            <a:r>
-              <a:t>Use setwd() to change to desired location</a:t>
-            </a:r>
-          </a:p>
-          <a:p>
-            <a:pPr lvl="0"/>
-            <a:r>
-              <a:t>Essential for organizing input and output files</a:t>
+              <a:t>Describes each variable in enough detail</a:t>
+            </a:r>
+          </a:p>
+          <a:p>
+            <a:pPr lvl="0"/>
+            <a:r>
+              <a:t>Enables complete reproduction of any analysis</a:t>
+            </a:r>
+          </a:p>
+          <a:p>
+            <a:pPr lvl="0"/>
+            <a:r>
+              <a:t>Essential component of reproducible research</a:t>
+            </a:r>
+          </a:p>
+          <a:p>
+            <a:pPr lvl="0"/>
+            <a:r>
+              <a:t>Should accompany every dataset</a:t>
             </a:r>
           </a:p>
         </p:txBody>
